--- a/Join files/Merging data.pptx
+++ b/Join files/Merging data.pptx
@@ -907,13 +907,40 @@
       </dgm:t>
     </dgm:pt>
     <dgm:pt modelId="{7E3CA212-0345-4BC8-936E-70E8C5E6ACCF}" type="sibTrans" cxnId="{2662E695-3735-4934-9183-449D21690DEB}">
-      <dgm:prSet/>
+      <dgm:prSet custT="1"/>
       <dgm:spPr/>
       <dgm:t>
         <a:bodyPr/>
         <a:lstStyle/>
         <a:p>
-          <a:endParaRPr lang="en-GB"/>
+          <a:pPr algn="l"/>
+          <a:r>
+            <a:rPr lang="nl-NL" sz="800" dirty="0"/>
+            <a:t>20,000 </a:t>
+          </a:r>
+          <a:r>
+            <a:rPr lang="nl-NL" sz="800" dirty="0" err="1"/>
+            <a:t>books</a:t>
+          </a:r>
+          <a:r>
+            <a:rPr lang="nl-NL" sz="800" dirty="0"/>
+            <a:t> </a:t>
+          </a:r>
+        </a:p>
+        <a:p>
+          <a:pPr algn="l"/>
+          <a:r>
+            <a:rPr lang="nl-NL" sz="800" dirty="0"/>
+            <a:t>11,742,003 ratings</a:t>
+          </a:r>
+        </a:p>
+        <a:p>
+          <a:pPr algn="l"/>
+          <a:r>
+            <a:rPr lang="nl-NL" sz="800"/>
+            <a:t>…… giveaways</a:t>
+          </a:r>
+          <a:endParaRPr lang="en-GB" sz="800"/>
         </a:p>
       </dgm:t>
     </dgm:pt>
@@ -948,17 +975,48 @@
       </dgm:t>
     </dgm:pt>
     <dgm:pt modelId="{7167A00A-2A21-4D71-BB82-4E0D3FB0A73C}" type="sibTrans" cxnId="{66E912E8-1B87-4957-9D2A-110D3D4486EA}">
-      <dgm:prSet/>
+      <dgm:prSet custT="1"/>
       <dgm:spPr/>
       <dgm:t>
         <a:bodyPr/>
         <a:lstStyle/>
         <a:p>
+          <a:pPr algn="l"/>
+          <a:endParaRPr lang="nl-NL" sz="800" dirty="0"/>
+        </a:p>
+        <a:p>
+          <a:pPr algn="l"/>
           <a:r>
-            <a:rPr lang="nl-NL" dirty="0" err="1"/>
+            <a:rPr lang="nl-NL" sz="800" dirty="0" err="1"/>
             <a:t>Book_id</a:t>
           </a:r>
-          <a:endParaRPr lang="en-GB" dirty="0"/>
+          <a:endParaRPr lang="nl-NL" sz="800" dirty="0"/>
+        </a:p>
+        <a:p>
+          <a:pPr algn="l"/>
+          <a:r>
+            <a:rPr lang="nl-NL" sz="800" dirty="0"/>
+            <a:t>30,712 giveaways</a:t>
+          </a:r>
+        </a:p>
+        <a:p>
+          <a:pPr algn="l"/>
+          <a:r>
+            <a:rPr lang="nl-NL" sz="800" dirty="0"/>
+            <a:t>30,712 </a:t>
+          </a:r>
+          <a:r>
+            <a:rPr lang="nl-NL" sz="800" dirty="0" err="1"/>
+            <a:t>books</a:t>
+          </a:r>
+          <a:r>
+            <a:rPr lang="nl-NL" sz="800" dirty="0"/>
+            <a:t> </a:t>
+          </a:r>
+        </a:p>
+        <a:p>
+          <a:pPr algn="l"/>
+          <a:endParaRPr lang="en-GB" sz="800" dirty="0"/>
         </a:p>
       </dgm:t>
     </dgm:pt>
@@ -1098,17 +1156,34 @@
       </dgm:t>
     </dgm:pt>
     <dgm:pt modelId="{DD3E0798-D057-425C-8CA6-E276732E1DB0}" type="sibTrans" cxnId="{320A3494-71E5-421D-8BA4-D3B630586C12}">
-      <dgm:prSet/>
+      <dgm:prSet custT="1"/>
       <dgm:spPr/>
       <dgm:t>
         <a:bodyPr/>
         <a:lstStyle/>
         <a:p>
+          <a:pPr algn="l"/>
           <a:r>
-            <a:rPr lang="nl-NL" dirty="0" err="1"/>
+            <a:rPr lang="nl-NL" sz="800" dirty="0" err="1"/>
             <a:t>Book_id</a:t>
           </a:r>
-          <a:endParaRPr lang="en-GB" dirty="0"/>
+          <a:endParaRPr lang="nl-NL" sz="800" dirty="0"/>
+        </a:p>
+        <a:p>
+          <a:pPr algn="l"/>
+          <a:r>
+            <a:rPr lang="nl-NL" sz="800" dirty="0"/>
+            <a:t>201,573 </a:t>
+          </a:r>
+          <a:r>
+            <a:rPr lang="nl-NL" sz="800" dirty="0" err="1"/>
+            <a:t>books</a:t>
+          </a:r>
+          <a:r>
+            <a:rPr lang="nl-NL" sz="800" dirty="0"/>
+            <a:t> information</a:t>
+          </a:r>
+          <a:endParaRPr lang="en-GB" sz="800" dirty="0"/>
         </a:p>
       </dgm:t>
     </dgm:pt>
@@ -1236,17 +1311,49 @@
       </dgm:t>
     </dgm:pt>
     <dgm:pt modelId="{7F635098-1F7E-4288-B5A0-5E4EA9E62EC9}" type="sibTrans" cxnId="{6DCA2E09-11DB-49EA-A9ED-D672909CD70B}">
-      <dgm:prSet/>
+      <dgm:prSet custT="1"/>
       <dgm:spPr/>
       <dgm:t>
         <a:bodyPr/>
         <a:lstStyle/>
         <a:p>
+          <a:pPr algn="l">
+            <a:lnSpc>
+              <a:spcPct val="100000"/>
+            </a:lnSpc>
+          </a:pPr>
           <a:r>
-            <a:rPr lang="nl-NL" dirty="0" err="1"/>
+            <a:rPr lang="nl-NL" sz="800" dirty="0" err="1"/>
             <a:t>Book_id</a:t>
           </a:r>
-          <a:endParaRPr lang="en-GB" dirty="0"/>
+          <a:endParaRPr lang="nl-NL" sz="800" dirty="0"/>
+        </a:p>
+        <a:p>
+          <a:pPr algn="l">
+            <a:lnSpc>
+              <a:spcPct val="100000"/>
+            </a:lnSpc>
+          </a:pPr>
+          <a:r>
+            <a:rPr lang="nl-NL" sz="800" dirty="0"/>
+            <a:t>11,742,003 reviews</a:t>
+          </a:r>
+        </a:p>
+        <a:p>
+          <a:pPr algn="l">
+            <a:lnSpc>
+              <a:spcPct val="100000"/>
+            </a:lnSpc>
+          </a:pPr>
+          <a:r>
+            <a:rPr lang="nl-NL" sz="800" dirty="0"/>
+            <a:t>20,000 </a:t>
+          </a:r>
+          <a:r>
+            <a:rPr lang="nl-NL" sz="800" dirty="0" err="1"/>
+            <a:t>books</a:t>
+          </a:r>
+          <a:endParaRPr lang="en-GB" sz="800" dirty="0"/>
         </a:p>
       </dgm:t>
     </dgm:pt>
@@ -1327,7 +1434,7 @@
       <dgm:spPr/>
     </dgm:pt>
     <dgm:pt modelId="{49046125-D849-4214-BFFC-FE47BC1B1054}" type="pres">
-      <dgm:prSet presAssocID="{87E31711-0C48-4BEA-8A84-8A23EDBCAF5A}" presName="titleText2" presStyleLbl="fgAcc1" presStyleIdx="0" presStyleCnt="7">
+      <dgm:prSet presAssocID="{87E31711-0C48-4BEA-8A84-8A23EDBCAF5A}" presName="titleText2" presStyleLbl="fgAcc1" presStyleIdx="0" presStyleCnt="7" custScaleY="177501">
         <dgm:presLayoutVars>
           <dgm:chMax val="0"/>
           <dgm:chPref val="0"/>
@@ -1465,7 +1572,7 @@
       <dgm:spPr/>
     </dgm:pt>
     <dgm:pt modelId="{B18EEDDD-A4C3-4F85-AEDF-446165E0F8CA}" type="pres">
-      <dgm:prSet presAssocID="{0F09D615-579E-4F1A-B3E2-2D822838E0EA}" presName="titleText2" presStyleLbl="fgAcc1" presStyleIdx="3" presStyleCnt="7">
+      <dgm:prSet presAssocID="{0F09D615-579E-4F1A-B3E2-2D822838E0EA}" presName="titleText2" presStyleLbl="fgAcc1" presStyleIdx="3" presStyleCnt="7" custScaleY="179604">
         <dgm:presLayoutVars>
           <dgm:chMax val="0"/>
           <dgm:chPref val="0"/>
@@ -1603,7 +1710,7 @@
       <dgm:spPr/>
     </dgm:pt>
     <dgm:pt modelId="{7C27D4AB-ED75-41ED-BA81-DBF373CC06F2}" type="pres">
-      <dgm:prSet presAssocID="{4F563AA0-4B9F-468B-AEF5-CF69FCB31D85}" presName="titleText2" presStyleLbl="fgAcc1" presStyleIdx="6" presStyleCnt="7">
+      <dgm:prSet presAssocID="{4F563AA0-4B9F-468B-AEF5-CF69FCB31D85}" presName="titleText2" presStyleLbl="fgAcc1" presStyleIdx="6" presStyleCnt="7" custScaleY="180656">
         <dgm:presLayoutVars>
           <dgm:chMax val="0"/>
           <dgm:chPref val="0"/>
@@ -1758,7 +1865,7 @@
       </dsp:nvSpPr>
       <dsp:spPr>
         <a:xfrm>
-          <a:off x="4907490" y="2055277"/>
+          <a:off x="4907490" y="2003256"/>
           <a:ext cx="3048053" cy="453093"/>
         </a:xfrm>
         <a:custGeom>
@@ -1820,8 +1927,8 @@
       </dsp:nvSpPr>
       <dsp:spPr>
         <a:xfrm>
-          <a:off x="5923508" y="3292571"/>
-          <a:ext cx="1016017" cy="453093"/>
+          <a:off x="5923508" y="3240550"/>
+          <a:ext cx="1016017" cy="557135"/>
         </a:xfrm>
         <a:custGeom>
           <a:avLst/>
@@ -1835,13 +1942,13 @@
                 <a:pt x="0" y="0"/>
               </a:moveTo>
               <a:lnTo>
-                <a:pt x="0" y="270113"/>
+                <a:pt x="0" y="374155"/>
               </a:lnTo>
               <a:lnTo>
-                <a:pt x="1016017" y="270113"/>
+                <a:pt x="1016017" y="374155"/>
               </a:lnTo>
               <a:lnTo>
-                <a:pt x="1016017" y="453093"/>
+                <a:pt x="1016017" y="557135"/>
               </a:lnTo>
             </a:path>
           </a:pathLst>
@@ -1882,8 +1989,8 @@
       </dsp:nvSpPr>
       <dsp:spPr>
         <a:xfrm>
-          <a:off x="4907490" y="3292571"/>
-          <a:ext cx="1016017" cy="453093"/>
+          <a:off x="4907490" y="3240550"/>
+          <a:ext cx="1016017" cy="557135"/>
         </a:xfrm>
         <a:custGeom>
           <a:avLst/>
@@ -1897,13 +2004,13 @@
                 <a:pt x="1016017" y="0"/>
               </a:moveTo>
               <a:lnTo>
-                <a:pt x="1016017" y="270113"/>
+                <a:pt x="1016017" y="374155"/>
               </a:lnTo>
               <a:lnTo>
-                <a:pt x="0" y="270113"/>
+                <a:pt x="0" y="374155"/>
               </a:lnTo>
               <a:lnTo>
-                <a:pt x="0" y="453093"/>
+                <a:pt x="0" y="557135"/>
               </a:lnTo>
             </a:path>
           </a:pathLst>
@@ -1944,7 +2051,7 @@
       </dsp:nvSpPr>
       <dsp:spPr>
         <a:xfrm>
-          <a:off x="4907490" y="2055277"/>
+          <a:off x="4907490" y="2003256"/>
           <a:ext cx="1016017" cy="453093"/>
         </a:xfrm>
         <a:custGeom>
@@ -2006,8 +2113,8 @@
       </dsp:nvSpPr>
       <dsp:spPr>
         <a:xfrm>
-          <a:off x="1859437" y="3292571"/>
-          <a:ext cx="1016017" cy="453093"/>
+          <a:off x="1859437" y="3240550"/>
+          <a:ext cx="1016017" cy="554387"/>
         </a:xfrm>
         <a:custGeom>
           <a:avLst/>
@@ -2021,13 +2128,13 @@
                 <a:pt x="0" y="0"/>
               </a:moveTo>
               <a:lnTo>
-                <a:pt x="0" y="270113"/>
+                <a:pt x="0" y="371407"/>
               </a:lnTo>
               <a:lnTo>
-                <a:pt x="1016017" y="270113"/>
+                <a:pt x="1016017" y="371407"/>
               </a:lnTo>
               <a:lnTo>
-                <a:pt x="1016017" y="453093"/>
+                <a:pt x="1016017" y="554387"/>
               </a:lnTo>
             </a:path>
           </a:pathLst>
@@ -2068,8 +2175,8 @@
       </dsp:nvSpPr>
       <dsp:spPr>
         <a:xfrm>
-          <a:off x="843419" y="3292571"/>
-          <a:ext cx="1016017" cy="453093"/>
+          <a:off x="843419" y="3240550"/>
+          <a:ext cx="1016017" cy="554387"/>
         </a:xfrm>
         <a:custGeom>
           <a:avLst/>
@@ -2083,13 +2190,13 @@
                 <a:pt x="1016017" y="0"/>
               </a:moveTo>
               <a:lnTo>
-                <a:pt x="1016017" y="270113"/>
+                <a:pt x="1016017" y="371407"/>
               </a:lnTo>
               <a:lnTo>
-                <a:pt x="0" y="270113"/>
+                <a:pt x="0" y="371407"/>
               </a:lnTo>
               <a:lnTo>
-                <a:pt x="0" y="453093"/>
+                <a:pt x="0" y="554387"/>
               </a:lnTo>
             </a:path>
           </a:pathLst>
@@ -2130,7 +2237,7 @@
       </dsp:nvSpPr>
       <dsp:spPr>
         <a:xfrm>
-          <a:off x="1859437" y="2055277"/>
+          <a:off x="1859437" y="2003256"/>
           <a:ext cx="3048053" cy="453093"/>
         </a:xfrm>
         <a:custGeom>
@@ -2192,7 +2299,7 @@
       </dsp:nvSpPr>
       <dsp:spPr>
         <a:xfrm>
-          <a:off x="4150183" y="1271077"/>
+          <a:off x="4150183" y="1219056"/>
           <a:ext cx="1514614" cy="784200"/>
         </a:xfrm>
         <a:prstGeom prst="rect">
@@ -2258,7 +2365,7 @@
         </a:p>
       </dsp:txBody>
       <dsp:txXfrm>
-        <a:off x="4150183" y="1271077"/>
+        <a:off x="4150183" y="1219056"/>
         <a:ext cx="1514614" cy="784200"/>
       </dsp:txXfrm>
     </dsp:sp>
@@ -2269,7 +2376,7 @@
       </dsp:nvSpPr>
       <dsp:spPr>
         <a:xfrm>
-          <a:off x="4453106" y="1881011"/>
+          <a:off x="4453106" y="1828989"/>
           <a:ext cx="1363152" cy="261400"/>
         </a:xfrm>
         <a:prstGeom prst="rect">
@@ -2311,12 +2418,12 @@
         <a:fontRef idx="minor"/>
       </dsp:style>
       <dsp:txBody>
-        <a:bodyPr spcFirstLastPara="0" vert="horz" wrap="square" lIns="43180" tIns="10795" rIns="43180" bIns="10795" numCol="1" spcCol="1270" anchor="ctr" anchorCtr="0">
+        <a:bodyPr spcFirstLastPara="0" vert="horz" wrap="square" lIns="20320" tIns="5080" rIns="20320" bIns="5080" numCol="1" spcCol="1270" anchor="ctr" anchorCtr="0">
           <a:noAutofit/>
         </a:bodyPr>
         <a:lstStyle/>
         <a:p>
-          <a:pPr marL="0" lvl="0" indent="0" algn="r" defTabSz="755650">
+          <a:pPr marL="0" lvl="0" indent="0" algn="l" defTabSz="355600">
             <a:lnSpc>
               <a:spcPct val="90000"/>
             </a:lnSpc>
@@ -2328,11 +2435,59 @@
             </a:spcAft>
             <a:buNone/>
           </a:pPr>
-          <a:endParaRPr lang="en-GB" sz="1700" kern="1200"/>
+          <a:r>
+            <a:rPr lang="nl-NL" sz="800" kern="1200" dirty="0"/>
+            <a:t>20,000 </a:t>
+          </a:r>
+          <a:r>
+            <a:rPr lang="nl-NL" sz="800" kern="1200" dirty="0" err="1"/>
+            <a:t>books</a:t>
+          </a:r>
+          <a:r>
+            <a:rPr lang="nl-NL" sz="800" kern="1200" dirty="0"/>
+            <a:t> </a:t>
+          </a:r>
+        </a:p>
+        <a:p>
+          <a:pPr marL="0" lvl="0" indent="0" algn="l" defTabSz="355600">
+            <a:lnSpc>
+              <a:spcPct val="90000"/>
+            </a:lnSpc>
+            <a:spcBef>
+              <a:spcPct val="0"/>
+            </a:spcBef>
+            <a:spcAft>
+              <a:spcPct val="35000"/>
+            </a:spcAft>
+            <a:buNone/>
+          </a:pPr>
+          <a:r>
+            <a:rPr lang="nl-NL" sz="800" kern="1200" dirty="0"/>
+            <a:t>11,742,003 ratings</a:t>
+          </a:r>
+        </a:p>
+        <a:p>
+          <a:pPr marL="0" lvl="0" indent="0" algn="l" defTabSz="355600">
+            <a:lnSpc>
+              <a:spcPct val="90000"/>
+            </a:lnSpc>
+            <a:spcBef>
+              <a:spcPct val="0"/>
+            </a:spcBef>
+            <a:spcAft>
+              <a:spcPct val="35000"/>
+            </a:spcAft>
+            <a:buNone/>
+          </a:pPr>
+          <a:r>
+            <a:rPr lang="nl-NL" sz="800" kern="1200"/>
+            <a:t>…… giveaways</a:t>
+          </a:r>
+          <a:endParaRPr lang="en-GB" sz="800" kern="1200"/>
         </a:p>
       </dsp:txBody>
       <dsp:txXfrm>
-        <a:off x="4453106" y="1881011"/>
+        <a:off x="4453106" y="1828989"/>
         <a:ext cx="1363152" cy="261400"/>
       </dsp:txXfrm>
     </dsp:sp>
@@ -2343,7 +2498,7 @@
       </dsp:nvSpPr>
       <dsp:spPr>
         <a:xfrm>
-          <a:off x="1102129" y="2508371"/>
+          <a:off x="1102129" y="2456350"/>
           <a:ext cx="1514614" cy="784200"/>
         </a:xfrm>
         <a:prstGeom prst="rect">
@@ -2409,7 +2564,7 @@
         </a:p>
       </dsp:txBody>
       <dsp:txXfrm>
-        <a:off x="1102129" y="2508371"/>
+        <a:off x="1102129" y="2456350"/>
         <a:ext cx="1514614" cy="784200"/>
       </dsp:txXfrm>
     </dsp:sp>
@@ -2420,8 +2575,8 @@
       </dsp:nvSpPr>
       <dsp:spPr>
         <a:xfrm>
-          <a:off x="1405052" y="3118304"/>
-          <a:ext cx="1363152" cy="261400"/>
+          <a:off x="1405052" y="2964989"/>
+          <a:ext cx="1363152" cy="463987"/>
         </a:xfrm>
         <a:prstGeom prst="rect">
           <a:avLst/>
@@ -2462,14 +2617,14 @@
         <a:fontRef idx="minor"/>
       </dsp:style>
       <dsp:txBody>
-        <a:bodyPr spcFirstLastPara="0" vert="horz" wrap="square" lIns="43180" tIns="10795" rIns="43180" bIns="10795" numCol="1" spcCol="1270" anchor="ctr" anchorCtr="0">
+        <a:bodyPr spcFirstLastPara="0" vert="horz" wrap="square" lIns="20320" tIns="5080" rIns="20320" bIns="5080" numCol="1" spcCol="1270" anchor="ctr" anchorCtr="0">
           <a:noAutofit/>
         </a:bodyPr>
         <a:lstStyle/>
         <a:p>
-          <a:pPr marL="0" lvl="0" indent="0" algn="r" defTabSz="755650">
+          <a:pPr marL="0" lvl="0" indent="0" algn="l" defTabSz="355600">
             <a:lnSpc>
-              <a:spcPct val="90000"/>
+              <a:spcPct val="100000"/>
             </a:lnSpc>
             <a:spcBef>
               <a:spcPct val="0"/>
@@ -2480,15 +2635,56 @@
             <a:buNone/>
           </a:pPr>
           <a:r>
-            <a:rPr lang="nl-NL" sz="1700" kern="1200" dirty="0" err="1"/>
+            <a:rPr lang="nl-NL" sz="800" kern="1200" dirty="0" err="1"/>
             <a:t>Book_id</a:t>
           </a:r>
-          <a:endParaRPr lang="en-GB" sz="1700" kern="1200" dirty="0"/>
+          <a:endParaRPr lang="nl-NL" sz="800" kern="1200" dirty="0"/>
+        </a:p>
+        <a:p>
+          <a:pPr marL="0" lvl="0" indent="0" algn="l" defTabSz="355600">
+            <a:lnSpc>
+              <a:spcPct val="100000"/>
+            </a:lnSpc>
+            <a:spcBef>
+              <a:spcPct val="0"/>
+            </a:spcBef>
+            <a:spcAft>
+              <a:spcPct val="35000"/>
+            </a:spcAft>
+            <a:buNone/>
+          </a:pPr>
+          <a:r>
+            <a:rPr lang="nl-NL" sz="800" kern="1200" dirty="0"/>
+            <a:t>11,742,003 reviews</a:t>
+          </a:r>
+        </a:p>
+        <a:p>
+          <a:pPr marL="0" lvl="0" indent="0" algn="l" defTabSz="355600">
+            <a:lnSpc>
+              <a:spcPct val="100000"/>
+            </a:lnSpc>
+            <a:spcBef>
+              <a:spcPct val="0"/>
+            </a:spcBef>
+            <a:spcAft>
+              <a:spcPct val="35000"/>
+            </a:spcAft>
+            <a:buNone/>
+          </a:pPr>
+          <a:r>
+            <a:rPr lang="nl-NL" sz="800" kern="1200" dirty="0"/>
+            <a:t>20,000 </a:t>
+          </a:r>
+          <a:r>
+            <a:rPr lang="nl-NL" sz="800" kern="1200" dirty="0" err="1"/>
+            <a:t>books</a:t>
+          </a:r>
+          <a:endParaRPr lang="en-GB" sz="800" kern="1200" dirty="0"/>
         </a:p>
       </dsp:txBody>
       <dsp:txXfrm>
-        <a:off x="1405052" y="3118304"/>
-        <a:ext cx="1363152" cy="261400"/>
+        <a:off x="1405052" y="2964989"/>
+        <a:ext cx="1363152" cy="463987"/>
       </dsp:txXfrm>
     </dsp:sp>
     <dsp:sp modelId="{D813FA12-32D9-4C02-BE47-0626459409E5}">
@@ -2498,7 +2694,7 @@
       </dsp:nvSpPr>
       <dsp:spPr>
         <a:xfrm>
-          <a:off x="86112" y="3745664"/>
+          <a:off x="86112" y="3794937"/>
           <a:ext cx="1514614" cy="784200"/>
         </a:xfrm>
         <a:prstGeom prst="rect">
@@ -2561,7 +2757,7 @@
         </a:p>
       </dsp:txBody>
       <dsp:txXfrm>
-        <a:off x="86112" y="3745664"/>
+        <a:off x="86112" y="3794937"/>
         <a:ext cx="1514614" cy="784200"/>
       </dsp:txXfrm>
     </dsp:sp>
@@ -2572,7 +2768,7 @@
       </dsp:nvSpPr>
       <dsp:spPr>
         <a:xfrm>
-          <a:off x="389034" y="4355598"/>
+          <a:off x="389034" y="4404870"/>
           <a:ext cx="1363152" cy="261400"/>
         </a:xfrm>
         <a:prstGeom prst="rect">
@@ -2639,7 +2835,7 @@
         </a:p>
       </dsp:txBody>
       <dsp:txXfrm>
-        <a:off x="389034" y="4355598"/>
+        <a:off x="389034" y="4404870"/>
         <a:ext cx="1363152" cy="261400"/>
       </dsp:txXfrm>
     </dsp:sp>
@@ -2650,7 +2846,7 @@
       </dsp:nvSpPr>
       <dsp:spPr>
         <a:xfrm>
-          <a:off x="2118147" y="3745664"/>
+          <a:off x="2118147" y="3794937"/>
           <a:ext cx="1514614" cy="784200"/>
         </a:xfrm>
         <a:prstGeom prst="rect">
@@ -2713,7 +2909,7 @@
         </a:p>
       </dsp:txBody>
       <dsp:txXfrm>
-        <a:off x="2118147" y="3745664"/>
+        <a:off x="2118147" y="3794937"/>
         <a:ext cx="1514614" cy="784200"/>
       </dsp:txXfrm>
     </dsp:sp>
@@ -2724,7 +2920,7 @@
       </dsp:nvSpPr>
       <dsp:spPr>
         <a:xfrm>
-          <a:off x="2421070" y="4355598"/>
+          <a:off x="2421070" y="4404870"/>
           <a:ext cx="1363152" cy="261400"/>
         </a:xfrm>
         <a:prstGeom prst="rect">
@@ -2791,7 +2987,7 @@
         </a:p>
       </dsp:txBody>
       <dsp:txXfrm>
-        <a:off x="2421070" y="4355598"/>
+        <a:off x="2421070" y="4404870"/>
         <a:ext cx="1363152" cy="261400"/>
       </dsp:txXfrm>
     </dsp:sp>
@@ -2802,7 +2998,7 @@
       </dsp:nvSpPr>
       <dsp:spPr>
         <a:xfrm>
-          <a:off x="5166201" y="2508371"/>
+          <a:off x="5166201" y="2456350"/>
           <a:ext cx="1514614" cy="784200"/>
         </a:xfrm>
         <a:prstGeom prst="rect">
@@ -2868,7 +3064,7 @@
         </a:p>
       </dsp:txBody>
       <dsp:txXfrm>
-        <a:off x="5166201" y="2508371"/>
+        <a:off x="5166201" y="2456350"/>
         <a:ext cx="1514614" cy="784200"/>
       </dsp:txXfrm>
     </dsp:sp>
@@ -2879,8 +3075,8 @@
       </dsp:nvSpPr>
       <dsp:spPr>
         <a:xfrm>
-          <a:off x="5469124" y="3118304"/>
-          <a:ext cx="1363152" cy="261400"/>
+          <a:off x="5469124" y="2962241"/>
+          <a:ext cx="1363152" cy="469484"/>
         </a:xfrm>
         <a:prstGeom prst="rect">
           <a:avLst/>
@@ -2921,12 +3117,12 @@
         <a:fontRef idx="minor"/>
       </dsp:style>
       <dsp:txBody>
-        <a:bodyPr spcFirstLastPara="0" vert="horz" wrap="square" lIns="43180" tIns="10795" rIns="43180" bIns="10795" numCol="1" spcCol="1270" anchor="ctr" anchorCtr="0">
+        <a:bodyPr spcFirstLastPara="0" vert="horz" wrap="square" lIns="20320" tIns="5080" rIns="20320" bIns="5080" numCol="1" spcCol="1270" anchor="ctr" anchorCtr="0">
           <a:noAutofit/>
         </a:bodyPr>
         <a:lstStyle/>
         <a:p>
-          <a:pPr marL="0" lvl="0" indent="0" algn="r" defTabSz="755650">
+          <a:pPr marL="0" lvl="0" indent="0" algn="l" defTabSz="355600">
             <a:lnSpc>
               <a:spcPct val="90000"/>
             </a:lnSpc>
@@ -2939,15 +3135,42 @@
             <a:buNone/>
           </a:pPr>
           <a:r>
-            <a:rPr lang="nl-NL" sz="1700" kern="1200" dirty="0" err="1"/>
+            <a:rPr lang="nl-NL" sz="800" kern="1200" dirty="0" err="1"/>
             <a:t>Book_id</a:t>
           </a:r>
-          <a:endParaRPr lang="en-GB" sz="1700" kern="1200" dirty="0"/>
+          <a:endParaRPr lang="nl-NL" sz="800" kern="1200" dirty="0"/>
+        </a:p>
+        <a:p>
+          <a:pPr marL="0" lvl="0" indent="0" algn="l" defTabSz="355600">
+            <a:lnSpc>
+              <a:spcPct val="90000"/>
+            </a:lnSpc>
+            <a:spcBef>
+              <a:spcPct val="0"/>
+            </a:spcBef>
+            <a:spcAft>
+              <a:spcPct val="35000"/>
+            </a:spcAft>
+            <a:buNone/>
+          </a:pPr>
+          <a:r>
+            <a:rPr lang="nl-NL" sz="800" kern="1200" dirty="0"/>
+            <a:t>201,573 </a:t>
+          </a:r>
+          <a:r>
+            <a:rPr lang="nl-NL" sz="800" kern="1200" dirty="0" err="1"/>
+            <a:t>books</a:t>
+          </a:r>
+          <a:r>
+            <a:rPr lang="nl-NL" sz="800" kern="1200" dirty="0"/>
+            <a:t> information</a:t>
+          </a:r>
+          <a:endParaRPr lang="en-GB" sz="800" kern="1200" dirty="0"/>
         </a:p>
       </dsp:txBody>
       <dsp:txXfrm>
-        <a:off x="5469124" y="3118304"/>
-        <a:ext cx="1363152" cy="261400"/>
+        <a:off x="5469124" y="2962241"/>
+        <a:ext cx="1363152" cy="469484"/>
       </dsp:txXfrm>
     </dsp:sp>
     <dsp:sp modelId="{3A16CCF3-2C0A-47CC-9CF7-25E9FDE1DEAF}">
@@ -2957,7 +3180,7 @@
       </dsp:nvSpPr>
       <dsp:spPr>
         <a:xfrm>
-          <a:off x="4150183" y="3745664"/>
+          <a:off x="4150183" y="3797686"/>
           <a:ext cx="1514614" cy="784200"/>
         </a:xfrm>
         <a:prstGeom prst="rect">
@@ -3020,7 +3243,7 @@
         </a:p>
       </dsp:txBody>
       <dsp:txXfrm>
-        <a:off x="4150183" y="3745664"/>
+        <a:off x="4150183" y="3797686"/>
         <a:ext cx="1514614" cy="784200"/>
       </dsp:txXfrm>
     </dsp:sp>
@@ -3031,7 +3254,7 @@
       </dsp:nvSpPr>
       <dsp:spPr>
         <a:xfrm>
-          <a:off x="4453106" y="4355598"/>
+          <a:off x="4453106" y="4407619"/>
           <a:ext cx="1363152" cy="261400"/>
         </a:xfrm>
         <a:prstGeom prst="rect">
@@ -3102,7 +3325,7 @@
         </a:p>
       </dsp:txBody>
       <dsp:txXfrm>
-        <a:off x="4453106" y="4355598"/>
+        <a:off x="4453106" y="4407619"/>
         <a:ext cx="1363152" cy="261400"/>
       </dsp:txXfrm>
     </dsp:sp>
@@ -3113,7 +3336,7 @@
       </dsp:nvSpPr>
       <dsp:spPr>
         <a:xfrm>
-          <a:off x="6182219" y="3745664"/>
+          <a:off x="6182219" y="3797686"/>
           <a:ext cx="1514614" cy="784200"/>
         </a:xfrm>
         <a:prstGeom prst="rect">
@@ -3180,7 +3403,7 @@
         </a:p>
       </dsp:txBody>
       <dsp:txXfrm>
-        <a:off x="6182219" y="3745664"/>
+        <a:off x="6182219" y="3797686"/>
         <a:ext cx="1514614" cy="784200"/>
       </dsp:txXfrm>
     </dsp:sp>
@@ -3191,7 +3414,7 @@
       </dsp:nvSpPr>
       <dsp:spPr>
         <a:xfrm>
-          <a:off x="6485142" y="4355598"/>
+          <a:off x="6485142" y="4407619"/>
           <a:ext cx="1363152" cy="261400"/>
         </a:xfrm>
         <a:prstGeom prst="rect">
@@ -3262,7 +3485,7 @@
         </a:p>
       </dsp:txBody>
       <dsp:txXfrm>
-        <a:off x="6485142" y="4355598"/>
+        <a:off x="6485142" y="4407619"/>
         <a:ext cx="1363152" cy="261400"/>
       </dsp:txXfrm>
     </dsp:sp>
@@ -3273,7 +3496,7 @@
       </dsp:nvSpPr>
       <dsp:spPr>
         <a:xfrm>
-          <a:off x="7198237" y="2508371"/>
+          <a:off x="7198237" y="2456350"/>
           <a:ext cx="1514614" cy="784200"/>
         </a:xfrm>
         <a:prstGeom prst="rect">
@@ -3336,7 +3559,7 @@
         </a:p>
       </dsp:txBody>
       <dsp:txXfrm>
-        <a:off x="7198237" y="2508371"/>
+        <a:off x="7198237" y="2456350"/>
         <a:ext cx="1514614" cy="784200"/>
       </dsp:txXfrm>
     </dsp:sp>
@@ -3347,8 +3570,8 @@
       </dsp:nvSpPr>
       <dsp:spPr>
         <a:xfrm>
-          <a:off x="7501160" y="3118304"/>
-          <a:ext cx="1363152" cy="261400"/>
+          <a:off x="7501160" y="2960866"/>
+          <a:ext cx="1363152" cy="472234"/>
         </a:xfrm>
         <a:prstGeom prst="rect">
           <a:avLst/>
@@ -3389,12 +3612,27 @@
         <a:fontRef idx="minor"/>
       </dsp:style>
       <dsp:txBody>
-        <a:bodyPr spcFirstLastPara="0" vert="horz" wrap="square" lIns="43180" tIns="10795" rIns="43180" bIns="10795" numCol="1" spcCol="1270" anchor="ctr" anchorCtr="0">
+        <a:bodyPr spcFirstLastPara="0" vert="horz" wrap="square" lIns="20320" tIns="5080" rIns="20320" bIns="5080" numCol="1" spcCol="1270" anchor="ctr" anchorCtr="0">
           <a:noAutofit/>
         </a:bodyPr>
         <a:lstStyle/>
         <a:p>
-          <a:pPr marL="0" lvl="0" indent="0" algn="r" defTabSz="755650">
+          <a:pPr marL="0" lvl="0" indent="0" algn="l" defTabSz="355600">
+            <a:lnSpc>
+              <a:spcPct val="90000"/>
+            </a:lnSpc>
+            <a:spcBef>
+              <a:spcPct val="0"/>
+            </a:spcBef>
+            <a:spcAft>
+              <a:spcPct val="35000"/>
+            </a:spcAft>
+            <a:buNone/>
+          </a:pPr>
+          <a:endParaRPr lang="nl-NL" sz="800" kern="1200" dirty="0"/>
+        </a:p>
+        <a:p>
+          <a:pPr marL="0" lvl="0" indent="0" algn="l" defTabSz="355600">
             <a:lnSpc>
               <a:spcPct val="90000"/>
             </a:lnSpc>
@@ -3407,15 +3645,74 @@
             <a:buNone/>
           </a:pPr>
           <a:r>
-            <a:rPr lang="nl-NL" sz="1700" kern="1200" dirty="0" err="1"/>
+            <a:rPr lang="nl-NL" sz="800" kern="1200" dirty="0" err="1"/>
             <a:t>Book_id</a:t>
           </a:r>
-          <a:endParaRPr lang="en-GB" sz="1700" kern="1200" dirty="0"/>
+          <a:endParaRPr lang="nl-NL" sz="800" kern="1200" dirty="0"/>
+        </a:p>
+        <a:p>
+          <a:pPr marL="0" lvl="0" indent="0" algn="l" defTabSz="355600">
+            <a:lnSpc>
+              <a:spcPct val="90000"/>
+            </a:lnSpc>
+            <a:spcBef>
+              <a:spcPct val="0"/>
+            </a:spcBef>
+            <a:spcAft>
+              <a:spcPct val="35000"/>
+            </a:spcAft>
+            <a:buNone/>
+          </a:pPr>
+          <a:r>
+            <a:rPr lang="nl-NL" sz="800" kern="1200" dirty="0"/>
+            <a:t>30,712 giveaways</a:t>
+          </a:r>
+        </a:p>
+        <a:p>
+          <a:pPr marL="0" lvl="0" indent="0" algn="l" defTabSz="355600">
+            <a:lnSpc>
+              <a:spcPct val="90000"/>
+            </a:lnSpc>
+            <a:spcBef>
+              <a:spcPct val="0"/>
+            </a:spcBef>
+            <a:spcAft>
+              <a:spcPct val="35000"/>
+            </a:spcAft>
+            <a:buNone/>
+          </a:pPr>
+          <a:r>
+            <a:rPr lang="nl-NL" sz="800" kern="1200" dirty="0"/>
+            <a:t>30,712 </a:t>
+          </a:r>
+          <a:r>
+            <a:rPr lang="nl-NL" sz="800" kern="1200" dirty="0" err="1"/>
+            <a:t>books</a:t>
+          </a:r>
+          <a:r>
+            <a:rPr lang="nl-NL" sz="800" kern="1200" dirty="0"/>
+            <a:t> </a:t>
+          </a:r>
+        </a:p>
+        <a:p>
+          <a:pPr marL="0" lvl="0" indent="0" algn="l" defTabSz="355600">
+            <a:lnSpc>
+              <a:spcPct val="90000"/>
+            </a:lnSpc>
+            <a:spcBef>
+              <a:spcPct val="0"/>
+            </a:spcBef>
+            <a:spcAft>
+              <a:spcPct val="35000"/>
+            </a:spcAft>
+            <a:buNone/>
+          </a:pPr>
+          <a:endParaRPr lang="en-GB" sz="800" kern="1200" dirty="0"/>
         </a:p>
       </dsp:txBody>
       <dsp:txXfrm>
-        <a:off x="7501160" y="3118304"/>
-        <a:ext cx="1363152" cy="261400"/>
+        <a:off x="7501160" y="2960866"/>
+        <a:ext cx="1363152" cy="472234"/>
       </dsp:txXfrm>
     </dsp:sp>
   </dsp:spTree>
@@ -5786,7 +6083,7 @@
           <a:p>
             <a:fld id="{D91A2E29-2AFA-4D55-9F70-4E5E0CA11D74}" type="datetimeFigureOut">
               <a:rPr lang="en-GB" smtClean="0"/>
-              <a:t>31/03/2022</a:t>
+              <a:t>03/04/2022</a:t>
             </a:fld>
             <a:endParaRPr lang="en-GB"/>
           </a:p>
@@ -5986,7 +6283,7 @@
           <a:p>
             <a:fld id="{D91A2E29-2AFA-4D55-9F70-4E5E0CA11D74}" type="datetimeFigureOut">
               <a:rPr lang="en-GB" smtClean="0"/>
-              <a:t>31/03/2022</a:t>
+              <a:t>03/04/2022</a:t>
             </a:fld>
             <a:endParaRPr lang="en-GB"/>
           </a:p>
@@ -6196,7 +6493,7 @@
           <a:p>
             <a:fld id="{D91A2E29-2AFA-4D55-9F70-4E5E0CA11D74}" type="datetimeFigureOut">
               <a:rPr lang="en-GB" smtClean="0"/>
-              <a:t>31/03/2022</a:t>
+              <a:t>03/04/2022</a:t>
             </a:fld>
             <a:endParaRPr lang="en-GB"/>
           </a:p>
@@ -6396,7 +6693,7 @@
           <a:p>
             <a:fld id="{D91A2E29-2AFA-4D55-9F70-4E5E0CA11D74}" type="datetimeFigureOut">
               <a:rPr lang="en-GB" smtClean="0"/>
-              <a:t>31/03/2022</a:t>
+              <a:t>03/04/2022</a:t>
             </a:fld>
             <a:endParaRPr lang="en-GB"/>
           </a:p>
@@ -6672,7 +6969,7 @@
           <a:p>
             <a:fld id="{D91A2E29-2AFA-4D55-9F70-4E5E0CA11D74}" type="datetimeFigureOut">
               <a:rPr lang="en-GB" smtClean="0"/>
-              <a:t>31/03/2022</a:t>
+              <a:t>03/04/2022</a:t>
             </a:fld>
             <a:endParaRPr lang="en-GB"/>
           </a:p>
@@ -6940,7 +7237,7 @@
           <a:p>
             <a:fld id="{D91A2E29-2AFA-4D55-9F70-4E5E0CA11D74}" type="datetimeFigureOut">
               <a:rPr lang="en-GB" smtClean="0"/>
-              <a:t>31/03/2022</a:t>
+              <a:t>03/04/2022</a:t>
             </a:fld>
             <a:endParaRPr lang="en-GB"/>
           </a:p>
@@ -7355,7 +7652,7 @@
           <a:p>
             <a:fld id="{D91A2E29-2AFA-4D55-9F70-4E5E0CA11D74}" type="datetimeFigureOut">
               <a:rPr lang="en-GB" smtClean="0"/>
-              <a:t>31/03/2022</a:t>
+              <a:t>03/04/2022</a:t>
             </a:fld>
             <a:endParaRPr lang="en-GB"/>
           </a:p>
@@ -7497,7 +7794,7 @@
           <a:p>
             <a:fld id="{D91A2E29-2AFA-4D55-9F70-4E5E0CA11D74}" type="datetimeFigureOut">
               <a:rPr lang="en-GB" smtClean="0"/>
-              <a:t>31/03/2022</a:t>
+              <a:t>03/04/2022</a:t>
             </a:fld>
             <a:endParaRPr lang="en-GB"/>
           </a:p>
@@ -7610,7 +7907,7 @@
           <a:p>
             <a:fld id="{D91A2E29-2AFA-4D55-9F70-4E5E0CA11D74}" type="datetimeFigureOut">
               <a:rPr lang="en-GB" smtClean="0"/>
-              <a:t>31/03/2022</a:t>
+              <a:t>03/04/2022</a:t>
             </a:fld>
             <a:endParaRPr lang="en-GB"/>
           </a:p>
@@ -7923,7 +8220,7 @@
           <a:p>
             <a:fld id="{D91A2E29-2AFA-4D55-9F70-4E5E0CA11D74}" type="datetimeFigureOut">
               <a:rPr lang="en-GB" smtClean="0"/>
-              <a:t>31/03/2022</a:t>
+              <a:t>03/04/2022</a:t>
             </a:fld>
             <a:endParaRPr lang="en-GB"/>
           </a:p>
@@ -8212,7 +8509,7 @@
           <a:p>
             <a:fld id="{D91A2E29-2AFA-4D55-9F70-4E5E0CA11D74}" type="datetimeFigureOut">
               <a:rPr lang="en-GB" smtClean="0"/>
-              <a:t>31/03/2022</a:t>
+              <a:t>03/04/2022</a:t>
             </a:fld>
             <a:endParaRPr lang="en-GB"/>
           </a:p>
@@ -8455,7 +8752,7 @@
           <a:p>
             <a:fld id="{D91A2E29-2AFA-4D55-9F70-4E5E0CA11D74}" type="datetimeFigureOut">
               <a:rPr lang="en-GB" smtClean="0"/>
-              <a:t>31/03/2022</a:t>
+              <a:t>03/04/2022</a:t>
             </a:fld>
             <a:endParaRPr lang="en-GB"/>
           </a:p>
@@ -8885,7 +9182,7 @@
           <p:nvPr>
             <p:extLst>
               <p:ext uri="{D42A27DB-BD31-4B8C-83A1-F6EECF244321}">
-                <p14:modId xmlns:p14="http://schemas.microsoft.com/office/powerpoint/2010/main" val="2063618236"/>
+                <p14:modId xmlns:p14="http://schemas.microsoft.com/office/powerpoint/2010/main" val="849579522"/>
               </p:ext>
             </p:extLst>
           </p:nvPr>
